--- a/Nexus Bank.pptx
+++ b/Nexus Bank.pptx
@@ -5,7 +5,7 @@
     <p:sldMasterId id="2147483648" r:id="rId4"/>
   </p:sldMasterIdLst>
   <p:notesMasterIdLst>
-    <p:notesMasterId r:id="rId21"/>
+    <p:notesMasterId r:id="rId22"/>
   </p:notesMasterIdLst>
   <p:sldIdLst>
     <p:sldId id="256" r:id="rId5"/>
@@ -23,7 +23,8 @@
     <p:sldId id="282" r:id="rId17"/>
     <p:sldId id="264" r:id="rId18"/>
     <p:sldId id="270" r:id="rId19"/>
-    <p:sldId id="275" r:id="rId20"/>
+    <p:sldId id="283" r:id="rId20"/>
+    <p:sldId id="275" r:id="rId21"/>
   </p:sldIdLst>
   <p:sldSz cx="12192000" cy="6858000"/>
   <p:notesSz cx="6858000" cy="9144000"/>
@@ -142,6 +143,7 @@
             <p14:sldId id="282"/>
             <p14:sldId id="264"/>
             <p14:sldId id="270"/>
+            <p14:sldId id="283"/>
             <p14:sldId id="275"/>
           </p14:sldIdLst>
         </p14:section>
@@ -179,7 +181,7 @@
   <pc:docChgLst>
     <pc:chgData name="Salamah Alawiye" userId="933ff112-0deb-4b57-8bff-7b0f7ef11484" providerId="ADAL" clId="{6A856A21-AD6F-44ED-A57E-7F07F8A8A172}"/>
     <pc:docChg chg="undo custSel addSld delSld modSld sldOrd addSection delSection modSection">
-      <pc:chgData name="Salamah Alawiye" userId="933ff112-0deb-4b57-8bff-7b0f7ef11484" providerId="ADAL" clId="{6A856A21-AD6F-44ED-A57E-7F07F8A8A172}" dt="2023-06-04T15:02:26.061" v="4813"/>
+      <pc:chgData name="Salamah Alawiye" userId="933ff112-0deb-4b57-8bff-7b0f7ef11484" providerId="ADAL" clId="{6A856A21-AD6F-44ED-A57E-7F07F8A8A172}" dt="2023-06-04T15:21:27.836" v="4965" actId="403"/>
       <pc:docMkLst>
         <pc:docMk/>
       </pc:docMkLst>
@@ -1264,6 +1266,61 @@
             <ac:picMk id="14" creationId="{DD085B46-135E-BED7-B92B-F1B235CBDD34}"/>
           </ac:picMkLst>
         </pc:picChg>
+      </pc:sldChg>
+      <pc:sldChg chg="addSp delSp modSp new mod ord modClrScheme chgLayout">
+        <pc:chgData name="Salamah Alawiye" userId="933ff112-0deb-4b57-8bff-7b0f7ef11484" providerId="ADAL" clId="{6A856A21-AD6F-44ED-A57E-7F07F8A8A172}" dt="2023-06-04T15:21:27.836" v="4965" actId="403"/>
+        <pc:sldMkLst>
+          <pc:docMk/>
+          <pc:sldMk cId="4221378008" sldId="283"/>
+        </pc:sldMkLst>
+        <pc:spChg chg="del mod ord">
+          <ac:chgData name="Salamah Alawiye" userId="933ff112-0deb-4b57-8bff-7b0f7ef11484" providerId="ADAL" clId="{6A856A21-AD6F-44ED-A57E-7F07F8A8A172}" dt="2023-06-04T15:19:17.669" v="4817" actId="700"/>
+          <ac:spMkLst>
+            <pc:docMk/>
+            <pc:sldMk cId="4221378008" sldId="283"/>
+            <ac:spMk id="2" creationId="{0CA0C068-A48C-E8ED-3A2C-5C3DEA832B37}"/>
+          </ac:spMkLst>
+        </pc:spChg>
+        <pc:spChg chg="del mod ord">
+          <ac:chgData name="Salamah Alawiye" userId="933ff112-0deb-4b57-8bff-7b0f7ef11484" providerId="ADAL" clId="{6A856A21-AD6F-44ED-A57E-7F07F8A8A172}" dt="2023-06-04T15:19:17.669" v="4817" actId="700"/>
+          <ac:spMkLst>
+            <pc:docMk/>
+            <pc:sldMk cId="4221378008" sldId="283"/>
+            <ac:spMk id="3" creationId="{4741C451-2247-F096-9DE8-A7D2FEA53EAE}"/>
+          </ac:spMkLst>
+        </pc:spChg>
+        <pc:spChg chg="add mod ord">
+          <ac:chgData name="Salamah Alawiye" userId="933ff112-0deb-4b57-8bff-7b0f7ef11484" providerId="ADAL" clId="{6A856A21-AD6F-44ED-A57E-7F07F8A8A172}" dt="2023-06-04T15:20:39.430" v="4956" actId="1076"/>
+          <ac:spMkLst>
+            <pc:docMk/>
+            <pc:sldMk cId="4221378008" sldId="283"/>
+            <ac:spMk id="4" creationId="{DF12DA79-B040-31FF-7BEB-B32D34B86854}"/>
+          </ac:spMkLst>
+        </pc:spChg>
+        <pc:spChg chg="add del mod ord">
+          <ac:chgData name="Salamah Alawiye" userId="933ff112-0deb-4b57-8bff-7b0f7ef11484" providerId="ADAL" clId="{6A856A21-AD6F-44ED-A57E-7F07F8A8A172}" dt="2023-06-04T15:19:26.198" v="4818" actId="478"/>
+          <ac:spMkLst>
+            <pc:docMk/>
+            <pc:sldMk cId="4221378008" sldId="283"/>
+            <ac:spMk id="5" creationId="{18589B2A-1FC5-231E-26A4-BEBFDDE3D91C}"/>
+          </ac:spMkLst>
+        </pc:spChg>
+        <pc:spChg chg="add mod ord">
+          <ac:chgData name="Salamah Alawiye" userId="933ff112-0deb-4b57-8bff-7b0f7ef11484" providerId="ADAL" clId="{6A856A21-AD6F-44ED-A57E-7F07F8A8A172}" dt="2023-06-04T15:21:27.836" v="4965" actId="403"/>
+          <ac:spMkLst>
+            <pc:docMk/>
+            <pc:sldMk cId="4221378008" sldId="283"/>
+            <ac:spMk id="6" creationId="{5AF3012D-BF3D-2472-FAF6-542413381EBD}"/>
+          </ac:spMkLst>
+        </pc:spChg>
+        <pc:spChg chg="add del mod ord">
+          <ac:chgData name="Salamah Alawiye" userId="933ff112-0deb-4b57-8bff-7b0f7ef11484" providerId="ADAL" clId="{6A856A21-AD6F-44ED-A57E-7F07F8A8A172}" dt="2023-06-04T15:19:28.151" v="4819" actId="478"/>
+          <ac:spMkLst>
+            <pc:docMk/>
+            <pc:sldMk cId="4221378008" sldId="283"/>
+            <ac:spMk id="7" creationId="{434BE263-3401-9555-0522-EAE551E2A7CC}"/>
+          </ac:spMkLst>
+        </pc:spChg>
       </pc:sldChg>
     </pc:docChg>
   </pc:docChgLst>
@@ -31600,6 +31657,120 @@
       </p:grpSpPr>
       <p:sp>
         <p:nvSpPr>
+          <p:cNvPr id="4" name="Title 3">
+            <a:extLst>
+              <a:ext uri="{FF2B5EF4-FFF2-40B4-BE49-F238E27FC236}">
+                <a16:creationId xmlns:a16="http://schemas.microsoft.com/office/drawing/2014/main" id="{DF12DA79-B040-31FF-7BEB-B32D34B86854}"/>
+              </a:ext>
+            </a:extLst>
+          </p:cNvPr>
+          <p:cNvSpPr>
+            <a:spLocks noGrp="1"/>
+          </p:cNvSpPr>
+          <p:nvPr>
+            <p:ph type="title"/>
+          </p:nvPr>
+        </p:nvSpPr>
+        <p:spPr>
+          <a:xfrm>
+            <a:off x="260866" y="1698193"/>
+            <a:ext cx="8594558" cy="851044"/>
+          </a:xfrm>
+        </p:spPr>
+        <p:txBody>
+          <a:bodyPr/>
+          <a:lstStyle/>
+          <a:p>
+            <a:r>
+              <a:rPr lang="en-US" sz="4800" b="1" dirty="0"/>
+              <a:t>LIMITATIONS</a:t>
+            </a:r>
+            <a:endParaRPr lang="en-NG" sz="4800" b="1" dirty="0"/>
+          </a:p>
+        </p:txBody>
+      </p:sp>
+      <p:sp>
+        <p:nvSpPr>
+          <p:cNvPr id="6" name="Text Placeholder 5">
+            <a:extLst>
+              <a:ext uri="{FF2B5EF4-FFF2-40B4-BE49-F238E27FC236}">
+                <a16:creationId xmlns:a16="http://schemas.microsoft.com/office/drawing/2014/main" id="{5AF3012D-BF3D-2472-FAF6-542413381EBD}"/>
+              </a:ext>
+            </a:extLst>
+          </p:cNvPr>
+          <p:cNvSpPr>
+            <a:spLocks noGrp="1"/>
+          </p:cNvSpPr>
+          <p:nvPr>
+            <p:ph type="body" sz="quarter" idx="14"/>
+          </p:nvPr>
+        </p:nvSpPr>
+        <p:spPr>
+          <a:xfrm>
+            <a:off x="4055486" y="2956358"/>
+            <a:ext cx="7263678" cy="1615642"/>
+          </a:xfrm>
+        </p:spPr>
+        <p:txBody>
+          <a:bodyPr/>
+          <a:lstStyle/>
+          <a:p>
+            <a:r>
+              <a:rPr lang="en-US" sz="3200" dirty="0"/>
+              <a:t>The dataset had a lot of </a:t>
+            </a:r>
+            <a:r>
+              <a:rPr lang="en-US" sz="4000" b="1" dirty="0"/>
+              <a:t>unknown</a:t>
+            </a:r>
+            <a:r>
+              <a:rPr lang="en-US" sz="3200" dirty="0"/>
+              <a:t> or </a:t>
+            </a:r>
+            <a:r>
+              <a:rPr lang="en-US" sz="4000" b="1" dirty="0"/>
+              <a:t>other</a:t>
+            </a:r>
+            <a:r>
+              <a:rPr lang="en-US" sz="3200" dirty="0"/>
+              <a:t> values which could have affected the analysis of the report.</a:t>
+            </a:r>
+            <a:endParaRPr lang="en-NG" sz="3200" dirty="0"/>
+          </a:p>
+        </p:txBody>
+      </p:sp>
+    </p:spTree>
+    <p:extLst>
+      <p:ext uri="{BB962C8B-B14F-4D97-AF65-F5344CB8AC3E}">
+        <p14:creationId xmlns:p14="http://schemas.microsoft.com/office/powerpoint/2010/main" val="4221378008"/>
+      </p:ext>
+    </p:extLst>
+  </p:cSld>
+  <p:clrMapOvr>
+    <a:masterClrMapping/>
+  </p:clrMapOvr>
+</p:sld>
+</file>
+
+<file path=ppt/slides/slide17.xml><?xml version="1.0" encoding="utf-8"?>
+<p:sld xmlns:a="http://schemas.openxmlformats.org/drawingml/2006/main" xmlns:r="http://schemas.openxmlformats.org/officeDocument/2006/relationships" xmlns:p="http://schemas.openxmlformats.org/presentationml/2006/main">
+  <p:cSld>
+    <p:spTree>
+      <p:nvGrpSpPr>
+        <p:cNvPr id="1" name=""/>
+        <p:cNvGrpSpPr/>
+        <p:nvPr/>
+      </p:nvGrpSpPr>
+      <p:grpSpPr>
+        <a:xfrm>
+          <a:off x="0" y="0"/>
+          <a:ext cx="0" cy="0"/>
+          <a:chOff x="0" y="0"/>
+          <a:chExt cx="0" cy="0"/>
+        </a:xfrm>
+      </p:grpSpPr>
+      <p:sp>
+        <p:nvSpPr>
           <p:cNvPr id="2" name="Title 1">
             <a:extLst>
               <a:ext uri="{FF2B5EF4-FFF2-40B4-BE49-F238E27FC236}">
@@ -34339,6 +34510,15 @@
 </file>
 
 <file path=customXml/item1.xml><?xml version="1.0" encoding="utf-8"?>
+<?mso-contentType ?>
+<FormTemplates xmlns="http://schemas.microsoft.com/sharepoint/v3/contenttype/forms">
+  <Display>DocumentLibraryForm</Display>
+  <Edit>DocumentLibraryForm</Edit>
+  <New>DocumentLibraryForm</New>
+</FormTemplates>
+</file>
+
+<file path=customXml/item2.xml><?xml version="1.0" encoding="utf-8"?>
 <ct:contentTypeSchema xmlns:ct="http://schemas.microsoft.com/office/2006/metadata/contentType" xmlns:ma="http://schemas.microsoft.com/office/2006/metadata/properties/metaAttributes" ct:_="" ma:_="" ma:contentTypeName="Document" ma:contentTypeID="0x01010079F111ED35F8CC479449609E8A0923A6" ma:contentTypeVersion="21" ma:contentTypeDescription="Create a new document." ma:contentTypeScope="" ma:versionID="64dfb1555687e0874b4304b796b5b0c7">
   <xsd:schema xmlns:xsd="http://www.w3.org/2001/XMLSchema" xmlns:xs="http://www.w3.org/2001/XMLSchema" xmlns:p="http://schemas.microsoft.com/office/2006/metadata/properties" xmlns:ns1="http://schemas.microsoft.com/sharepoint/v3" xmlns:ns2="71af3243-3dd4-4a8d-8c0d-dd76da1f02a5" xmlns:ns3="16c05727-aa75-4e4a-9b5f-8a80a1165891" xmlns:ns4="230e9df3-be65-4c73-a93b-d1236ebd677e" targetNamespace="http://schemas.microsoft.com/office/2006/metadata/properties" ma:root="true" ma:fieldsID="e6e4c555b5e194d05b7203de9c4567b3" ns1:_="" ns2:_="" ns3:_="" ns4:_="">
     <xsd:import namespace="http://schemas.microsoft.com/sharepoint/v3"/>
@@ -34620,15 +34800,6 @@
 </ct:contentTypeSchema>
 </file>
 
-<file path=customXml/item2.xml><?xml version="1.0" encoding="utf-8"?>
-<?mso-contentType ?>
-<FormTemplates xmlns="http://schemas.microsoft.com/sharepoint/v3/contenttype/forms">
-  <Display>DocumentLibraryForm</Display>
-  <Edit>DocumentLibraryForm</Edit>
-  <New>DocumentLibraryForm</New>
-</FormTemplates>
-</file>
-
 <file path=customXml/item3.xml><?xml version="1.0" encoding="utf-8"?>
 <p:properties xmlns:p="http://schemas.microsoft.com/office/2006/metadata/properties" xmlns:xsi="http://www.w3.org/2001/XMLSchema-instance" xmlns:pc="http://schemas.microsoft.com/office/infopath/2007/PartnerControls">
   <documentManagement>
@@ -34649,6 +34820,14 @@
 </file>
 
 <file path=customXml/itemProps1.xml><?xml version="1.0" encoding="utf-8"?>
+<ds:datastoreItem xmlns:ds="http://schemas.openxmlformats.org/officeDocument/2006/customXml" ds:itemID="{85334180-0405-413B-834A-44FA9E05ADB7}">
+  <ds:schemaRefs>
+    <ds:schemaRef ds:uri="http://schemas.microsoft.com/sharepoint/v3/contenttype/forms"/>
+  </ds:schemaRefs>
+</ds:datastoreItem>
+</file>
+
+<file path=customXml/itemProps2.xml><?xml version="1.0" encoding="utf-8"?>
 <ds:datastoreItem xmlns:ds="http://schemas.openxmlformats.org/officeDocument/2006/customXml" ds:itemID="{4A615295-94F6-4CE2-A1B1-6B7E1DAA5AD6}">
   <ds:schemaRefs>
     <ds:schemaRef ds:uri="http://schemas.microsoft.com/office/2006/metadata/contentType"/>
@@ -34665,14 +34844,6 @@
     <ds:schemaRef ds:uri="http://purl.org/dc/elements/1.1/"/>
     <ds:schemaRef ds:uri="http://purl.org/dc/terms/"/>
     <ds:schemaRef ds:uri="http://schemas.microsoft.com/internal/obd"/>
-  </ds:schemaRefs>
-</ds:datastoreItem>
-</file>
-
-<file path=customXml/itemProps2.xml><?xml version="1.0" encoding="utf-8"?>
-<ds:datastoreItem xmlns:ds="http://schemas.openxmlformats.org/officeDocument/2006/customXml" ds:itemID="{85334180-0405-413B-834A-44FA9E05ADB7}">
-  <ds:schemaRefs>
-    <ds:schemaRef ds:uri="http://schemas.microsoft.com/sharepoint/v3/contenttype/forms"/>
   </ds:schemaRefs>
 </ds:datastoreItem>
 </file>
